--- a/CCC_Senior/Week6/Week6.pptx
+++ b/CCC_Senior/Week6/Week6.pptx
@@ -29,10 +29,7 @@
     <p:sldId id="269" r:id="rId23"/>
     <p:sldId id="271" r:id="rId24"/>
     <p:sldId id="272" r:id="rId25"/>
-    <p:sldId id="287" r:id="rId26"/>
-    <p:sldId id="288" r:id="rId27"/>
-    <p:sldId id="290" r:id="rId28"/>
-    <p:sldId id="289" r:id="rId29"/>
+    <p:sldId id="289" r:id="rId26"/>
   </p:sldIdLst>
   <p:sldSz cx="12192000" cy="6858000"/>
   <p:notesSz cx="6858000" cy="9144000"/>
@@ -131,6 +128,11 @@
       </a:defRPr>
     </a:lvl9pPr>
   </p:defaultTextStyle>
+  <p:extLst>
+    <p:ext uri="{EFAFB233-063F-42B5-8137-9DF3F51BA10A}">
+      <p15:sldGuideLst xmlns:p15="http://schemas.microsoft.com/office/powerpoint/2012/main"/>
+    </p:ext>
+  </p:extLst>
 </p:presentation>
 </file>
 
@@ -441,7 +443,7 @@
           <a:p>
             <a:fld id="{12241623-A064-4BED-B073-BA4D61433402}" type="datetime1">
               <a:rPr lang="en-US" smtClean="0"/>
-              <a:t>8/7/22</a:t>
+              <a:t>8/14/22</a:t>
             </a:fld>
             <a:endParaRPr lang="en-US" dirty="0"/>
           </a:p>
@@ -1252,7 +1254,7 @@
           <a:p>
             <a:fld id="{6F86ED0C-1DA7-41F0-94CF-6218B1FEDFF1}" type="datetime1">
               <a:rPr lang="en-US" smtClean="0"/>
-              <a:t>8/7/22</a:t>
+              <a:t>8/14/22</a:t>
             </a:fld>
             <a:endParaRPr lang="en-US" dirty="0"/>
           </a:p>
@@ -1451,7 +1453,7 @@
           <a:p>
             <a:fld id="{EECF02AB-6034-4B88-BC5A-7C17CB0EF809}" type="datetime1">
               <a:rPr lang="en-US" smtClean="0"/>
-              <a:t>8/7/22</a:t>
+              <a:t>8/14/22</a:t>
             </a:fld>
             <a:endParaRPr lang="en-US" dirty="0"/>
           </a:p>
@@ -1686,7 +1688,7 @@
           <a:p>
             <a:fld id="{22F3E5F3-28EE-488F-BD53-B744C06C3DEC}" type="datetime1">
               <a:rPr lang="en-US" smtClean="0"/>
-              <a:t>8/7/22</a:t>
+              <a:t>8/14/22</a:t>
             </a:fld>
             <a:endParaRPr lang="en-US" dirty="0"/>
           </a:p>
@@ -4379,7 +4381,7 @@
           <a:p>
             <a:fld id="{E72EB70D-CD01-44DA-83B3-8FEB3383D307}" type="datetime1">
               <a:rPr lang="en-US" smtClean="0"/>
-              <a:t>8/7/22</a:t>
+              <a:t>8/14/22</a:t>
             </a:fld>
             <a:endParaRPr lang="en-US" dirty="0"/>
           </a:p>
@@ -4575,7 +4577,7 @@
           <a:p>
             <a:fld id="{D0158CFD-9357-46BE-A189-D637A67C8730}" type="datetime1">
               <a:rPr lang="en-US" smtClean="0"/>
-              <a:t>8/7/22</a:t>
+              <a:t>8/14/22</a:t>
             </a:fld>
             <a:endParaRPr lang="en-US" dirty="0"/>
           </a:p>
@@ -4964,7 +4966,7 @@
           <a:p>
             <a:fld id="{7B4742EE-B331-4632-BD10-A82FED6B6FC0}" type="datetime1">
               <a:rPr lang="en-US" smtClean="0"/>
-              <a:t>8/7/22</a:t>
+              <a:t>8/14/22</a:t>
             </a:fld>
             <a:endParaRPr lang="en-US" dirty="0"/>
           </a:p>
@@ -5130,7 +5132,7 @@
           <a:p>
             <a:fld id="{451BA835-D13F-49F4-8F11-5D576AC65FAD}" type="datetime1">
               <a:rPr lang="en-US" smtClean="0"/>
-              <a:t>8/7/22</a:t>
+              <a:t>8/14/22</a:t>
             </a:fld>
             <a:endParaRPr lang="en-US" dirty="0"/>
           </a:p>
@@ -5253,7 +5255,7 @@
           <a:p>
             <a:fld id="{ADBD1799-ACB5-4CB2-86A2-5C574F1C8706}" type="datetime1">
               <a:rPr lang="en-US" smtClean="0"/>
-              <a:t>8/7/22</a:t>
+              <a:t>8/14/22</a:t>
             </a:fld>
             <a:endParaRPr lang="en-US" dirty="0"/>
           </a:p>
@@ -5563,7 +5565,7 @@
           <a:p>
             <a:fld id="{ED5DD0D6-7A82-473E-879B-C6ECD6CCCFEC}" type="datetime1">
               <a:rPr lang="en-US" smtClean="0"/>
-              <a:t>8/7/22</a:t>
+              <a:t>8/14/22</a:t>
             </a:fld>
             <a:endParaRPr lang="en-US" dirty="0"/>
           </a:p>
@@ -5863,7 +5865,7 @@
           <a:p>
             <a:fld id="{D4605E03-BC17-41A7-854C-DFAB672737DC}" type="datetime1">
               <a:rPr lang="en-US" smtClean="0"/>
-              <a:t>8/7/22</a:t>
+              <a:t>8/14/22</a:t>
             </a:fld>
             <a:endParaRPr lang="en-US" dirty="0"/>
           </a:p>
@@ -6115,7 +6117,7 @@
           <a:p>
             <a:fld id="{C4408324-A84C-4A45-93B6-78D079CCE772}" type="datetime1">
               <a:rPr lang="en-US" smtClean="0"/>
-              <a:t>8/7/22</a:t>
+              <a:t>8/14/22</a:t>
             </a:fld>
             <a:endParaRPr lang="en-US" dirty="0"/>
           </a:p>
@@ -9421,317 +9423,6 @@
           <p:cNvPr id="2" name="Title 1">
             <a:extLst>
               <a:ext uri="{FF2B5EF4-FFF2-40B4-BE49-F238E27FC236}">
-                <a16:creationId xmlns:a16="http://schemas.microsoft.com/office/drawing/2014/main" id="{2D7CF503-F1A6-A645-91BB-947143BD9C42}"/>
-              </a:ext>
-            </a:extLst>
-          </p:cNvPr>
-          <p:cNvSpPr>
-            <a:spLocks noGrp="1"/>
-          </p:cNvSpPr>
-          <p:nvPr>
-            <p:ph type="title"/>
-          </p:nvPr>
-        </p:nvSpPr>
-        <p:spPr/>
-        <p:txBody>
-          <a:bodyPr/>
-          <a:lstStyle/>
-          <a:p>
-            <a:r>
-              <a:rPr lang="en-US" dirty="0"/>
-              <a:t>Converting LIS to LCS</a:t>
-            </a:r>
-          </a:p>
-        </p:txBody>
-      </p:sp>
-      <p:sp>
-        <p:nvSpPr>
-          <p:cNvPr id="3" name="Content Placeholder 2">
-            <a:extLst>
-              <a:ext uri="{FF2B5EF4-FFF2-40B4-BE49-F238E27FC236}">
-                <a16:creationId xmlns:a16="http://schemas.microsoft.com/office/drawing/2014/main" id="{74F6DE7E-BF0E-EF4B-940A-444E826C26F3}"/>
-              </a:ext>
-            </a:extLst>
-          </p:cNvPr>
-          <p:cNvSpPr>
-            <a:spLocks noGrp="1"/>
-          </p:cNvSpPr>
-          <p:nvPr>
-            <p:ph idx="1"/>
-          </p:nvPr>
-        </p:nvSpPr>
-        <p:spPr/>
-        <p:txBody>
-          <a:bodyPr>
-            <a:normAutofit/>
-          </a:bodyPr>
-          <a:lstStyle/>
-          <a:p>
-            <a:pPr marL="342900" indent="-342900">
-              <a:buFont typeface="Arial" panose="020B0604020202020204" pitchFamily="34" charset="0"/>
-              <a:buChar char="•"/>
-            </a:pPr>
-            <a:r>
-              <a:rPr lang="en-US" sz="2000" dirty="0"/>
-              <a:t>First create another array </a:t>
-            </a:r>
-            <a:r>
-              <a:rPr lang="en-US" sz="2000" dirty="0" err="1"/>
-              <a:t>A_sorted</a:t>
-            </a:r>
-            <a:r>
-              <a:rPr lang="en-US" sz="2000" dirty="0"/>
-              <a:t> of unique elements of the original array A and sort it</a:t>
-            </a:r>
-          </a:p>
-          <a:p>
-            <a:pPr marL="342900" indent="-342900">
-              <a:buFont typeface="Arial" panose="020B0604020202020204" pitchFamily="34" charset="0"/>
-              <a:buChar char="•"/>
-            </a:pPr>
-            <a:r>
-              <a:rPr lang="en-US" sz="2000" dirty="0"/>
-              <a:t>The LIS of A must be present as a subsequence in </a:t>
-            </a:r>
-            <a:r>
-              <a:rPr lang="en-US" sz="2000" dirty="0" err="1"/>
-              <a:t>A_sorted</a:t>
-            </a:r>
-            <a:endParaRPr lang="en-US" sz="2000" dirty="0"/>
-          </a:p>
-        </p:txBody>
-      </p:sp>
-    </p:spTree>
-    <p:extLst>
-      <p:ext uri="{BB962C8B-B14F-4D97-AF65-F5344CB8AC3E}">
-        <p14:creationId xmlns:p14="http://schemas.microsoft.com/office/powerpoint/2010/main" val="3086444099"/>
-      </p:ext>
-    </p:extLst>
-  </p:cSld>
-  <p:clrMapOvr>
-    <a:masterClrMapping/>
-  </p:clrMapOvr>
-</p:sld>
-</file>
-
-<file path=ppt/slides/slide26.xml><?xml version="1.0" encoding="utf-8"?>
-<p:sld xmlns:a="http://schemas.openxmlformats.org/drawingml/2006/main" xmlns:r="http://schemas.openxmlformats.org/officeDocument/2006/relationships" xmlns:p="http://schemas.openxmlformats.org/presentationml/2006/main">
-  <p:cSld>
-    <p:spTree>
-      <p:nvGrpSpPr>
-        <p:cNvPr id="1" name=""/>
-        <p:cNvGrpSpPr/>
-        <p:nvPr/>
-      </p:nvGrpSpPr>
-      <p:grpSpPr>
-        <a:xfrm>
-          <a:off x="0" y="0"/>
-          <a:ext cx="0" cy="0"/>
-          <a:chOff x="0" y="0"/>
-          <a:chExt cx="0" cy="0"/>
-        </a:xfrm>
-      </p:grpSpPr>
-      <p:sp>
-        <p:nvSpPr>
-          <p:cNvPr id="2" name="Title 1">
-            <a:extLst>
-              <a:ext uri="{FF2B5EF4-FFF2-40B4-BE49-F238E27FC236}">
-                <a16:creationId xmlns:a16="http://schemas.microsoft.com/office/drawing/2014/main" id="{2D7CF503-F1A6-A645-91BB-947143BD9C42}"/>
-              </a:ext>
-            </a:extLst>
-          </p:cNvPr>
-          <p:cNvSpPr>
-            <a:spLocks noGrp="1"/>
-          </p:cNvSpPr>
-          <p:nvPr>
-            <p:ph type="title"/>
-          </p:nvPr>
-        </p:nvSpPr>
-        <p:spPr/>
-        <p:txBody>
-          <a:bodyPr/>
-          <a:lstStyle/>
-          <a:p>
-            <a:r>
-              <a:rPr lang="en-US" dirty="0"/>
-              <a:t>Converting LIS to LCS</a:t>
-            </a:r>
-          </a:p>
-        </p:txBody>
-      </p:sp>
-      <p:pic>
-        <p:nvPicPr>
-          <p:cNvPr id="4" name="Content Placeholder 3">
-            <a:extLst>
-              <a:ext uri="{FF2B5EF4-FFF2-40B4-BE49-F238E27FC236}">
-                <a16:creationId xmlns:a16="http://schemas.microsoft.com/office/drawing/2014/main" id="{D359F7CB-A7C0-CE43-BBA8-44AAAF4F8D0C}"/>
-              </a:ext>
-            </a:extLst>
-          </p:cNvPr>
-          <p:cNvPicPr>
-            <a:picLocks noGrp="1" noChangeAspect="1"/>
-          </p:cNvPicPr>
-          <p:nvPr>
-            <p:ph idx="1"/>
-          </p:nvPr>
-        </p:nvPicPr>
-        <p:blipFill>
-          <a:blip r:embed="rId2"/>
-          <a:stretch>
-            <a:fillRect/>
-          </a:stretch>
-        </p:blipFill>
-        <p:spPr>
-          <a:xfrm>
-            <a:off x="1166659" y="2529554"/>
-            <a:ext cx="9858681" cy="2940580"/>
-          </a:xfrm>
-          <a:prstGeom prst="rect">
-            <a:avLst/>
-          </a:prstGeom>
-        </p:spPr>
-      </p:pic>
-    </p:spTree>
-    <p:extLst>
-      <p:ext uri="{BB962C8B-B14F-4D97-AF65-F5344CB8AC3E}">
-        <p14:creationId xmlns:p14="http://schemas.microsoft.com/office/powerpoint/2010/main" val="1673240639"/>
-      </p:ext>
-    </p:extLst>
-  </p:cSld>
-  <p:clrMapOvr>
-    <a:masterClrMapping/>
-  </p:clrMapOvr>
-</p:sld>
-</file>
-
-<file path=ppt/slides/slide27.xml><?xml version="1.0" encoding="utf-8"?>
-<p:sld xmlns:a="http://schemas.openxmlformats.org/drawingml/2006/main" xmlns:r="http://schemas.openxmlformats.org/officeDocument/2006/relationships" xmlns:p="http://schemas.openxmlformats.org/presentationml/2006/main">
-  <p:cSld>
-    <p:spTree>
-      <p:nvGrpSpPr>
-        <p:cNvPr id="1" name=""/>
-        <p:cNvGrpSpPr/>
-        <p:nvPr/>
-      </p:nvGrpSpPr>
-      <p:grpSpPr>
-        <a:xfrm>
-          <a:off x="0" y="0"/>
-          <a:ext cx="0" cy="0"/>
-          <a:chOff x="0" y="0"/>
-          <a:chExt cx="0" cy="0"/>
-        </a:xfrm>
-      </p:grpSpPr>
-      <p:sp>
-        <p:nvSpPr>
-          <p:cNvPr id="2" name="Title 1">
-            <a:extLst>
-              <a:ext uri="{FF2B5EF4-FFF2-40B4-BE49-F238E27FC236}">
-                <a16:creationId xmlns:a16="http://schemas.microsoft.com/office/drawing/2014/main" id="{A3B01506-2A87-B44E-B334-1D442C1027C4}"/>
-              </a:ext>
-            </a:extLst>
-          </p:cNvPr>
-          <p:cNvSpPr>
-            <a:spLocks noGrp="1"/>
-          </p:cNvSpPr>
-          <p:nvPr>
-            <p:ph type="title"/>
-          </p:nvPr>
-        </p:nvSpPr>
-        <p:spPr/>
-        <p:txBody>
-          <a:bodyPr/>
-          <a:lstStyle/>
-          <a:p>
-            <a:r>
-              <a:rPr lang="en-US" dirty="0"/>
-              <a:t>Maximum 1D Independent Set</a:t>
-            </a:r>
-          </a:p>
-        </p:txBody>
-      </p:sp>
-      <p:sp>
-        <p:nvSpPr>
-          <p:cNvPr id="3" name="Content Placeholder 2">
-            <a:extLst>
-              <a:ext uri="{FF2B5EF4-FFF2-40B4-BE49-F238E27FC236}">
-                <a16:creationId xmlns:a16="http://schemas.microsoft.com/office/drawing/2014/main" id="{3DAC919A-59AC-D54A-AA6C-DFF6A15273CD}"/>
-              </a:ext>
-            </a:extLst>
-          </p:cNvPr>
-          <p:cNvSpPr>
-            <a:spLocks noGrp="1"/>
-          </p:cNvSpPr>
-          <p:nvPr>
-            <p:ph idx="1"/>
-          </p:nvPr>
-        </p:nvSpPr>
-        <p:spPr/>
-        <p:txBody>
-          <a:bodyPr>
-            <a:normAutofit/>
-          </a:bodyPr>
-          <a:lstStyle/>
-          <a:p>
-            <a:r>
-              <a:rPr lang="en-US" sz="2400" dirty="0"/>
-              <a:t>The maximum sum of chosen integers, such that no two chosen values are adjacent in the array</a:t>
-            </a:r>
-          </a:p>
-          <a:p>
-            <a:r>
-              <a:rPr lang="en-US" sz="2400" dirty="0"/>
-              <a:t>Example: [4, 5, 4, 1, 1, 8, 3, 5]</a:t>
-            </a:r>
-          </a:p>
-          <a:p>
-            <a:r>
-              <a:rPr lang="en-US" sz="2400" dirty="0"/>
-              <a:t>4 + 4 + 8 + 5 = 21</a:t>
-            </a:r>
-          </a:p>
-          <a:p>
-            <a:r>
-              <a:rPr lang="en-US" sz="2400" dirty="0"/>
-              <a:t>4 + 5 + 8 + 5 = 22 (is not valid because 4 and 5 are adjacent)</a:t>
-            </a:r>
-          </a:p>
-        </p:txBody>
-      </p:sp>
-    </p:spTree>
-    <p:extLst>
-      <p:ext uri="{BB962C8B-B14F-4D97-AF65-F5344CB8AC3E}">
-        <p14:creationId xmlns:p14="http://schemas.microsoft.com/office/powerpoint/2010/main" val="2990472821"/>
-      </p:ext>
-    </p:extLst>
-  </p:cSld>
-  <p:clrMapOvr>
-    <a:masterClrMapping/>
-  </p:clrMapOvr>
-</p:sld>
-</file>
-
-<file path=ppt/slides/slide28.xml><?xml version="1.0" encoding="utf-8"?>
-<p:sld xmlns:a="http://schemas.openxmlformats.org/drawingml/2006/main" xmlns:r="http://schemas.openxmlformats.org/officeDocument/2006/relationships" xmlns:p="http://schemas.openxmlformats.org/presentationml/2006/main">
-  <p:cSld>
-    <p:spTree>
-      <p:nvGrpSpPr>
-        <p:cNvPr id="1" name=""/>
-        <p:cNvGrpSpPr/>
-        <p:nvPr/>
-      </p:nvGrpSpPr>
-      <p:grpSpPr>
-        <a:xfrm>
-          <a:off x="0" y="0"/>
-          <a:ext cx="0" cy="0"/>
-          <a:chOff x="0" y="0"/>
-          <a:chExt cx="0" cy="0"/>
-        </a:xfrm>
-      </p:grpSpPr>
-      <p:sp>
-        <p:nvSpPr>
-          <p:cNvPr id="2" name="Title 1">
-            <a:extLst>
-              <a:ext uri="{FF2B5EF4-FFF2-40B4-BE49-F238E27FC236}">
                 <a16:creationId xmlns:a16="http://schemas.microsoft.com/office/drawing/2014/main" id="{28C3EFDF-C227-FF41-90F1-5583AB803E51}"/>
               </a:ext>
             </a:extLst>

--- a/CCC_Senior/Week6/Week6.pptx
+++ b/CCC_Senior/Week6/Week6.pptx
@@ -16,20 +16,25 @@
     <p:sldId id="278" r:id="rId10"/>
     <p:sldId id="261" r:id="rId11"/>
     <p:sldId id="262" r:id="rId12"/>
-    <p:sldId id="279" r:id="rId13"/>
-    <p:sldId id="283" r:id="rId14"/>
-    <p:sldId id="280" r:id="rId15"/>
-    <p:sldId id="284" r:id="rId16"/>
-    <p:sldId id="285" r:id="rId17"/>
-    <p:sldId id="286" r:id="rId18"/>
-    <p:sldId id="263" r:id="rId19"/>
-    <p:sldId id="264" r:id="rId20"/>
-    <p:sldId id="265" r:id="rId21"/>
-    <p:sldId id="268" r:id="rId22"/>
-    <p:sldId id="269" r:id="rId23"/>
-    <p:sldId id="271" r:id="rId24"/>
-    <p:sldId id="272" r:id="rId25"/>
-    <p:sldId id="289" r:id="rId26"/>
+    <p:sldId id="290" r:id="rId13"/>
+    <p:sldId id="291" r:id="rId14"/>
+    <p:sldId id="292" r:id="rId15"/>
+    <p:sldId id="294" r:id="rId16"/>
+    <p:sldId id="293" r:id="rId17"/>
+    <p:sldId id="279" r:id="rId18"/>
+    <p:sldId id="283" r:id="rId19"/>
+    <p:sldId id="280" r:id="rId20"/>
+    <p:sldId id="284" r:id="rId21"/>
+    <p:sldId id="285" r:id="rId22"/>
+    <p:sldId id="286" r:id="rId23"/>
+    <p:sldId id="263" r:id="rId24"/>
+    <p:sldId id="264" r:id="rId25"/>
+    <p:sldId id="265" r:id="rId26"/>
+    <p:sldId id="268" r:id="rId27"/>
+    <p:sldId id="269" r:id="rId28"/>
+    <p:sldId id="271" r:id="rId29"/>
+    <p:sldId id="272" r:id="rId30"/>
+    <p:sldId id="289" r:id="rId31"/>
   </p:sldIdLst>
   <p:sldSz cx="12192000" cy="6858000"/>
   <p:notesSz cx="6858000" cy="9144000"/>
@@ -443,7 +448,7 @@
           <a:p>
             <a:fld id="{12241623-A064-4BED-B073-BA4D61433402}" type="datetime1">
               <a:rPr lang="en-US" smtClean="0"/>
-              <a:t>8/14/22</a:t>
+              <a:t>12/2/22</a:t>
             </a:fld>
             <a:endParaRPr lang="en-US" dirty="0"/>
           </a:p>
@@ -1254,7 +1259,7 @@
           <a:p>
             <a:fld id="{6F86ED0C-1DA7-41F0-94CF-6218B1FEDFF1}" type="datetime1">
               <a:rPr lang="en-US" smtClean="0"/>
-              <a:t>8/14/22</a:t>
+              <a:t>12/2/22</a:t>
             </a:fld>
             <a:endParaRPr lang="en-US" dirty="0"/>
           </a:p>
@@ -1453,7 +1458,7 @@
           <a:p>
             <a:fld id="{EECF02AB-6034-4B88-BC5A-7C17CB0EF809}" type="datetime1">
               <a:rPr lang="en-US" smtClean="0"/>
-              <a:t>8/14/22</a:t>
+              <a:t>12/2/22</a:t>
             </a:fld>
             <a:endParaRPr lang="en-US" dirty="0"/>
           </a:p>
@@ -1688,7 +1693,7 @@
           <a:p>
             <a:fld id="{22F3E5F3-28EE-488F-BD53-B744C06C3DEC}" type="datetime1">
               <a:rPr lang="en-US" smtClean="0"/>
-              <a:t>8/14/22</a:t>
+              <a:t>12/2/22</a:t>
             </a:fld>
             <a:endParaRPr lang="en-US" dirty="0"/>
           </a:p>
@@ -4381,7 +4386,7 @@
           <a:p>
             <a:fld id="{E72EB70D-CD01-44DA-83B3-8FEB3383D307}" type="datetime1">
               <a:rPr lang="en-US" smtClean="0"/>
-              <a:t>8/14/22</a:t>
+              <a:t>12/2/22</a:t>
             </a:fld>
             <a:endParaRPr lang="en-US" dirty="0"/>
           </a:p>
@@ -4577,7 +4582,7 @@
           <a:p>
             <a:fld id="{D0158CFD-9357-46BE-A189-D637A67C8730}" type="datetime1">
               <a:rPr lang="en-US" smtClean="0"/>
-              <a:t>8/14/22</a:t>
+              <a:t>12/2/22</a:t>
             </a:fld>
             <a:endParaRPr lang="en-US" dirty="0"/>
           </a:p>
@@ -4966,7 +4971,7 @@
           <a:p>
             <a:fld id="{7B4742EE-B331-4632-BD10-A82FED6B6FC0}" type="datetime1">
               <a:rPr lang="en-US" smtClean="0"/>
-              <a:t>8/14/22</a:t>
+              <a:t>12/2/22</a:t>
             </a:fld>
             <a:endParaRPr lang="en-US" dirty="0"/>
           </a:p>
@@ -5132,7 +5137,7 @@
           <a:p>
             <a:fld id="{451BA835-D13F-49F4-8F11-5D576AC65FAD}" type="datetime1">
               <a:rPr lang="en-US" smtClean="0"/>
-              <a:t>8/14/22</a:t>
+              <a:t>12/2/22</a:t>
             </a:fld>
             <a:endParaRPr lang="en-US" dirty="0"/>
           </a:p>
@@ -5255,7 +5260,7 @@
           <a:p>
             <a:fld id="{ADBD1799-ACB5-4CB2-86A2-5C574F1C8706}" type="datetime1">
               <a:rPr lang="en-US" smtClean="0"/>
-              <a:t>8/14/22</a:t>
+              <a:t>12/2/22</a:t>
             </a:fld>
             <a:endParaRPr lang="en-US" dirty="0"/>
           </a:p>
@@ -5565,7 +5570,7 @@
           <a:p>
             <a:fld id="{ED5DD0D6-7A82-473E-879B-C6ECD6CCCFEC}" type="datetime1">
               <a:rPr lang="en-US" smtClean="0"/>
-              <a:t>8/14/22</a:t>
+              <a:t>12/2/22</a:t>
             </a:fld>
             <a:endParaRPr lang="en-US" dirty="0"/>
           </a:p>
@@ -5865,7 +5870,7 @@
           <a:p>
             <a:fld id="{D4605E03-BC17-41A7-854C-DFAB672737DC}" type="datetime1">
               <a:rPr lang="en-US" smtClean="0"/>
-              <a:t>8/14/22</a:t>
+              <a:t>12/2/22</a:t>
             </a:fld>
             <a:endParaRPr lang="en-US" dirty="0"/>
           </a:p>
@@ -6117,7 +6122,7 @@
           <a:p>
             <a:fld id="{C4408324-A84C-4A45-93B6-78D079CCE772}" type="datetime1">
               <a:rPr lang="en-US" smtClean="0"/>
-              <a:t>8/14/22</a:t>
+              <a:t>12/2/22</a:t>
             </a:fld>
             <a:endParaRPr lang="en-US" dirty="0"/>
           </a:p>
@@ -7634,7 +7639,7 @@
           <p:cNvPr id="2" name="Title 1">
             <a:extLst>
               <a:ext uri="{FF2B5EF4-FFF2-40B4-BE49-F238E27FC236}">
-                <a16:creationId xmlns:a16="http://schemas.microsoft.com/office/drawing/2014/main" id="{FB20DFF6-FA38-434B-A5D3-D0A2870C6F8B}"/>
+                <a16:creationId xmlns:a16="http://schemas.microsoft.com/office/drawing/2014/main" id="{84289D96-A5D7-674A-A068-06AC7F274BFC}"/>
               </a:ext>
             </a:extLst>
           </p:cNvPr>
@@ -7652,7 +7657,7 @@
           <a:p>
             <a:r>
               <a:rPr lang="en-US" dirty="0"/>
-              <a:t>Longest Common Subsequence</a:t>
+              <a:t>Binary Search</a:t>
             </a:r>
           </a:p>
         </p:txBody>
@@ -7662,7 +7667,7 @@
           <p:cNvPr id="3" name="Content Placeholder 2">
             <a:extLst>
               <a:ext uri="{FF2B5EF4-FFF2-40B4-BE49-F238E27FC236}">
-                <a16:creationId xmlns:a16="http://schemas.microsoft.com/office/drawing/2014/main" id="{3843CF23-6C9B-A744-BF95-5310514DE956}"/>
+                <a16:creationId xmlns:a16="http://schemas.microsoft.com/office/drawing/2014/main" id="{8615D635-190F-B343-A3DF-77C6070877C3}"/>
               </a:ext>
             </a:extLst>
           </p:cNvPr>
@@ -7675,33 +7680,59 @@
         </p:nvSpPr>
         <p:spPr>
           <a:xfrm>
-            <a:off x="1490133" y="2312276"/>
-            <a:ext cx="9787467" cy="3651504"/>
+            <a:off x="1920240" y="2312276"/>
+            <a:ext cx="9320784" cy="3651504"/>
           </a:xfrm>
         </p:spPr>
         <p:txBody>
-          <a:bodyPr>
-            <a:normAutofit/>
-          </a:bodyPr>
+          <a:bodyPr/>
           <a:lstStyle/>
           <a:p>
-            <a:pPr marL="342900" indent="-342900">
-              <a:buFont typeface="Arial" panose="020B0604020202020204" pitchFamily="34" charset="0"/>
-              <a:buChar char="•"/>
-            </a:pPr>
-            <a:r>
-              <a:rPr lang="en-US" sz="2400" dirty="0"/>
-              <a:t>Problem: Given two sequences, find the length of the longest subsequence present in both of them. </a:t>
-            </a:r>
-          </a:p>
-          <a:p>
-            <a:pPr marL="342900" indent="-342900">
-              <a:buFont typeface="Arial" panose="020B0604020202020204" pitchFamily="34" charset="0"/>
-              <a:buChar char="•"/>
-            </a:pPr>
-            <a:r>
-              <a:rPr lang="en-US" sz="2400" dirty="0"/>
-              <a:t>A subsequence is a sequence that appears in the same relative order, but not necessarily contiguous</a:t>
+            <a:r>
+              <a:rPr lang="en-US" dirty="0"/>
+              <a:t>Problem: Given a sorted array </a:t>
+            </a:r>
+            <a:r>
+              <a:rPr lang="en-US" dirty="0" err="1"/>
+              <a:t>arr</a:t>
+            </a:r>
+            <a:r>
+              <a:rPr lang="en-US" dirty="0"/>
+              <a:t>[] of n elements, write a function to search a given element x in </a:t>
+            </a:r>
+            <a:r>
+              <a:rPr lang="en-US" dirty="0" err="1"/>
+              <a:t>arr</a:t>
+            </a:r>
+            <a:r>
+              <a:rPr lang="en-US" dirty="0"/>
+              <a:t>[] and return the index of x in the array</a:t>
+            </a:r>
+          </a:p>
+          <a:p>
+            <a:r>
+              <a:rPr lang="en-US" dirty="0"/>
+              <a:t>Input: </a:t>
+            </a:r>
+            <a:r>
+              <a:rPr lang="en-US" dirty="0" err="1"/>
+              <a:t>arr</a:t>
+            </a:r>
+            <a:r>
+              <a:rPr lang="en-US" dirty="0"/>
+              <a:t>[] = {10, 20, 30, 50, 60, 80, 110, 130, 140, 170}, x = 110</a:t>
+            </a:r>
+          </a:p>
+          <a:p>
+            <a:r>
+              <a:rPr lang="en-US" dirty="0"/>
+              <a:t>Output: 6</a:t>
+            </a:r>
+          </a:p>
+          <a:p>
+            <a:r>
+              <a:rPr lang="en-US" dirty="0"/>
+              <a:t>Naïve solution: linear search</a:t>
             </a:r>
           </a:p>
         </p:txBody>
@@ -7709,7 +7740,7 @@
     </p:spTree>
     <p:extLst>
       <p:ext uri="{BB962C8B-B14F-4D97-AF65-F5344CB8AC3E}">
-        <p14:creationId xmlns:p14="http://schemas.microsoft.com/office/powerpoint/2010/main" val="1636946279"/>
+        <p14:creationId xmlns:p14="http://schemas.microsoft.com/office/powerpoint/2010/main" val="1641254448"/>
       </p:ext>
     </p:extLst>
   </p:cSld>
@@ -7741,7 +7772,7 @@
           <p:cNvPr id="2" name="Title 1">
             <a:extLst>
               <a:ext uri="{FF2B5EF4-FFF2-40B4-BE49-F238E27FC236}">
-                <a16:creationId xmlns:a16="http://schemas.microsoft.com/office/drawing/2014/main" id="{FB20DFF6-FA38-434B-A5D3-D0A2870C6F8B}"/>
+                <a16:creationId xmlns:a16="http://schemas.microsoft.com/office/drawing/2014/main" id="{0BA728DD-98AD-224F-AAF7-51C0F12E9D66}"/>
               </a:ext>
             </a:extLst>
           </p:cNvPr>
@@ -7759,7 +7790,7 @@
           <a:p>
             <a:r>
               <a:rPr lang="en-US" dirty="0"/>
-              <a:t>Longest Common Subsequence</a:t>
+              <a:t>Binary Search</a:t>
             </a:r>
           </a:p>
         </p:txBody>
@@ -7769,7 +7800,7 @@
           <p:cNvPr id="3" name="Content Placeholder 2">
             <a:extLst>
               <a:ext uri="{FF2B5EF4-FFF2-40B4-BE49-F238E27FC236}">
-                <a16:creationId xmlns:a16="http://schemas.microsoft.com/office/drawing/2014/main" id="{3843CF23-6C9B-A744-BF95-5310514DE956}"/>
+                <a16:creationId xmlns:a16="http://schemas.microsoft.com/office/drawing/2014/main" id="{45C70513-0073-6242-AB85-94C32729C555}"/>
               </a:ext>
             </a:extLst>
           </p:cNvPr>
@@ -7780,86 +7811,36 @@
             <p:ph idx="1"/>
           </p:nvPr>
         </p:nvSpPr>
-        <p:spPr>
-          <a:xfrm>
-            <a:off x="1490133" y="2312276"/>
-            <a:ext cx="9787467" cy="3651504"/>
-          </a:xfrm>
-        </p:spPr>
-        <p:txBody>
-          <a:bodyPr>
-            <a:normAutofit/>
-          </a:bodyPr>
+        <p:spPr/>
+        <p:txBody>
+          <a:bodyPr/>
           <a:lstStyle/>
           <a:p>
-            <a:pPr marL="342900" indent="-342900">
-              <a:buFont typeface="Arial" panose="020B0604020202020204" pitchFamily="34" charset="0"/>
-              <a:buChar char="•"/>
-            </a:pPr>
-            <a:r>
-              <a:rPr lang="en-US" sz="2400" dirty="0"/>
-              <a:t>Example: ”</a:t>
-            </a:r>
-            <a:r>
-              <a:rPr lang="en-US" sz="2400" dirty="0" err="1"/>
-              <a:t>abc</a:t>
-            </a:r>
-            <a:r>
-              <a:rPr lang="en-US" sz="2400" dirty="0"/>
-              <a:t>”, “</a:t>
-            </a:r>
-            <a:r>
-              <a:rPr lang="en-US" sz="2400" dirty="0" err="1"/>
-              <a:t>abg</a:t>
-            </a:r>
-            <a:r>
-              <a:rPr lang="en-US" sz="2400" dirty="0"/>
-              <a:t>”, “</a:t>
-            </a:r>
-            <a:r>
-              <a:rPr lang="en-US" sz="2400" dirty="0" err="1"/>
-              <a:t>bdf</a:t>
-            </a:r>
-            <a:r>
-              <a:rPr lang="en-US" sz="2400" dirty="0"/>
-              <a:t>” are subsequences of “</a:t>
-            </a:r>
-            <a:r>
-              <a:rPr lang="en-US" sz="2400" dirty="0" err="1"/>
-              <a:t>abcdefg</a:t>
-            </a:r>
-            <a:r>
-              <a:rPr lang="en-US" sz="2400" dirty="0"/>
-              <a:t>”</a:t>
-            </a:r>
-          </a:p>
-          <a:p>
-            <a:pPr marL="342900" indent="-342900">
-              <a:buFont typeface="Arial" panose="020B0604020202020204" pitchFamily="34" charset="0"/>
-              <a:buChar char="•"/>
-            </a:pPr>
-            <a:r>
-              <a:rPr lang="en-CA" sz="2400" dirty="0"/>
-              <a:t>LCS for input Sequences “ABCDGH” and “AEDFHR” is “ADH” of length 3</a:t>
-            </a:r>
-          </a:p>
-          <a:p>
-            <a:pPr marL="342900" indent="-342900">
-              <a:buFont typeface="Arial" panose="020B0604020202020204" pitchFamily="34" charset="0"/>
-              <a:buChar char="•"/>
-            </a:pPr>
-            <a:r>
-              <a:rPr lang="en-CA" sz="2400" dirty="0"/>
-              <a:t>LCS for input Sequences “AGGTAB” and “GXTXAYB” is “GTAB” of length 4</a:t>
-            </a:r>
-            <a:endParaRPr lang="en-US" sz="2400" dirty="0"/>
+            <a:r>
+              <a:rPr lang="en-US" dirty="0"/>
+              <a:t>A searching algorithm used in a sorted array by repeatedly dividing the search interval in half</a:t>
+            </a:r>
+          </a:p>
+          <a:p>
+            <a:r>
+              <a:rPr lang="en-US" dirty="0"/>
+              <a:t>Time Complexity: O(</a:t>
+            </a:r>
+            <a:r>
+              <a:rPr lang="en-US" dirty="0" err="1"/>
+              <a:t>logn</a:t>
+            </a:r>
+            <a:r>
+              <a:rPr lang="en-US" dirty="0"/>
+              <a:t>)</a:t>
+            </a:r>
           </a:p>
         </p:txBody>
       </p:sp>
     </p:spTree>
     <p:extLst>
       <p:ext uri="{BB962C8B-B14F-4D97-AF65-F5344CB8AC3E}">
-        <p14:creationId xmlns:p14="http://schemas.microsoft.com/office/powerpoint/2010/main" val="1367004743"/>
+        <p14:creationId xmlns:p14="http://schemas.microsoft.com/office/powerpoint/2010/main" val="3291743101"/>
       </p:ext>
     </p:extLst>
   </p:cSld>
@@ -7891,7 +7872,7 @@
           <p:cNvPr id="2" name="Title 1">
             <a:extLst>
               <a:ext uri="{FF2B5EF4-FFF2-40B4-BE49-F238E27FC236}">
-                <a16:creationId xmlns:a16="http://schemas.microsoft.com/office/drawing/2014/main" id="{485AC6C4-3419-CE4E-9E64-4F7F742A70C8}"/>
+                <a16:creationId xmlns:a16="http://schemas.microsoft.com/office/drawing/2014/main" id="{D1666AEB-EBEF-E743-9F19-D5E398DB7BB0}"/>
               </a:ext>
             </a:extLst>
           </p:cNvPr>
@@ -7909,7 +7890,7 @@
           <a:p>
             <a:r>
               <a:rPr lang="en-US" dirty="0"/>
-              <a:t>Longest Common Subsequence</a:t>
+              <a:t>Binary Search Algorithm</a:t>
             </a:r>
           </a:p>
         </p:txBody>
@@ -7919,7 +7900,7 @@
           <p:cNvPr id="3" name="Content Placeholder 2">
             <a:extLst>
               <a:ext uri="{FF2B5EF4-FFF2-40B4-BE49-F238E27FC236}">
-                <a16:creationId xmlns:a16="http://schemas.microsoft.com/office/drawing/2014/main" id="{9C7A5D39-91D0-7D49-9EB0-AFD6B8551D18}"/>
+                <a16:creationId xmlns:a16="http://schemas.microsoft.com/office/drawing/2014/main" id="{0194079F-A52C-1042-9ABB-BB1798E7129D}"/>
               </a:ext>
             </a:extLst>
           </p:cNvPr>
@@ -7933,32 +7914,87 @@
         <p:spPr/>
         <p:txBody>
           <a:bodyPr>
-            <a:normAutofit/>
+            <a:normAutofit fontScale="92500" lnSpcReduction="10000"/>
           </a:bodyPr>
           <a:lstStyle/>
           <a:p>
-            <a:pPr marL="342900" indent="-342900">
+            <a:pPr marL="285750" indent="-285750" fontAlgn="base">
+              <a:lnSpc>
+                <a:spcPct val="150000"/>
+              </a:lnSpc>
               <a:buFont typeface="Arial" panose="020B0604020202020204" pitchFamily="34" charset="0"/>
               <a:buChar char="•"/>
             </a:pPr>
             <a:r>
-              <a:rPr lang="en-US" sz="2400" dirty="0"/>
-              <a:t>Naïve solution: generate all subsequences of both given sequences and find the longest matching subsequence</a:t>
-            </a:r>
-          </a:p>
-          <a:p>
-            <a:pPr marL="342900" indent="-342900">
+              <a:rPr lang="en-CA" dirty="0"/>
+              <a:t>Begin with the mid element of the whole array as a </a:t>
+            </a:r>
+            <a:r>
+              <a:rPr lang="en-CA" b="1" dirty="0"/>
+              <a:t>search key</a:t>
+            </a:r>
+          </a:p>
+          <a:p>
+            <a:pPr marL="285750" indent="-285750" fontAlgn="base">
+              <a:lnSpc>
+                <a:spcPct val="150000"/>
+              </a:lnSpc>
               <a:buFont typeface="Arial" panose="020B0604020202020204" pitchFamily="34" charset="0"/>
               <a:buChar char="•"/>
             </a:pPr>
-            <a:endParaRPr lang="en-US" sz="2400" dirty="0"/>
+            <a:r>
+              <a:rPr lang="en-CA" dirty="0"/>
+              <a:t>If the value of the search key == x then return an index of the search key</a:t>
+            </a:r>
+          </a:p>
+          <a:p>
+            <a:pPr marL="285750" indent="-285750" fontAlgn="base">
+              <a:lnSpc>
+                <a:spcPct val="150000"/>
+              </a:lnSpc>
+              <a:buFont typeface="Arial" panose="020B0604020202020204" pitchFamily="34" charset="0"/>
+              <a:buChar char="•"/>
+            </a:pPr>
+            <a:r>
+              <a:rPr lang="en-CA" dirty="0"/>
+              <a:t>Or if the value of the search key &lt; x in the middle of the interval, narrow the interval to the lower half</a:t>
+            </a:r>
+          </a:p>
+          <a:p>
+            <a:pPr marL="285750" indent="-285750" fontAlgn="base">
+              <a:lnSpc>
+                <a:spcPct val="150000"/>
+              </a:lnSpc>
+              <a:buFont typeface="Arial" panose="020B0604020202020204" pitchFamily="34" charset="0"/>
+              <a:buChar char="•"/>
+            </a:pPr>
+            <a:r>
+              <a:rPr lang="en-CA" dirty="0"/>
+              <a:t>Otherwise, narrow it to the upper half</a:t>
+            </a:r>
+          </a:p>
+          <a:p>
+            <a:pPr marL="285750" indent="-285750" fontAlgn="base">
+              <a:lnSpc>
+                <a:spcPct val="150000"/>
+              </a:lnSpc>
+              <a:buFont typeface="Arial" panose="020B0604020202020204" pitchFamily="34" charset="0"/>
+              <a:buChar char="•"/>
+            </a:pPr>
+            <a:r>
+              <a:rPr lang="en-CA" dirty="0"/>
+              <a:t>Repeatedly check from the second point until the value is found or the interval is empty</a:t>
+            </a:r>
+          </a:p>
+          <a:p>
+            <a:endParaRPr lang="en-US" dirty="0"/>
           </a:p>
         </p:txBody>
       </p:sp>
     </p:spTree>
     <p:extLst>
       <p:ext uri="{BB962C8B-B14F-4D97-AF65-F5344CB8AC3E}">
-        <p14:creationId xmlns:p14="http://schemas.microsoft.com/office/powerpoint/2010/main" val="853717287"/>
+        <p14:creationId xmlns:p14="http://schemas.microsoft.com/office/powerpoint/2010/main" val="2904533578"/>
       </p:ext>
     </p:extLst>
   </p:cSld>
@@ -7990,6 +8026,673 @@
           <p:cNvPr id="2" name="Title 1">
             <a:extLst>
               <a:ext uri="{FF2B5EF4-FFF2-40B4-BE49-F238E27FC236}">
+                <a16:creationId xmlns:a16="http://schemas.microsoft.com/office/drawing/2014/main" id="{FE3135CC-48B1-8541-B72F-50E80A613661}"/>
+              </a:ext>
+            </a:extLst>
+          </p:cNvPr>
+          <p:cNvSpPr>
+            <a:spLocks noGrp="1"/>
+          </p:cNvSpPr>
+          <p:nvPr>
+            <p:ph type="title"/>
+          </p:nvPr>
+        </p:nvSpPr>
+        <p:spPr/>
+        <p:txBody>
+          <a:bodyPr/>
+          <a:lstStyle/>
+          <a:p>
+            <a:r>
+              <a:rPr lang="en-US" dirty="0"/>
+              <a:t>Binary Search Recursive</a:t>
+            </a:r>
+          </a:p>
+        </p:txBody>
+      </p:sp>
+      <p:pic>
+        <p:nvPicPr>
+          <p:cNvPr id="6" name="Content Placeholder 5">
+            <a:extLst>
+              <a:ext uri="{FF2B5EF4-FFF2-40B4-BE49-F238E27FC236}">
+                <a16:creationId xmlns:a16="http://schemas.microsoft.com/office/drawing/2014/main" id="{AECF025C-19BC-DC4B-9B25-278561D72950}"/>
+              </a:ext>
+            </a:extLst>
+          </p:cNvPr>
+          <p:cNvPicPr>
+            <a:picLocks noGrp="1" noChangeAspect="1"/>
+          </p:cNvPicPr>
+          <p:nvPr>
+            <p:ph idx="1"/>
+          </p:nvPr>
+        </p:nvPicPr>
+        <p:blipFill>
+          <a:blip r:embed="rId2"/>
+          <a:stretch>
+            <a:fillRect/>
+          </a:stretch>
+        </p:blipFill>
+        <p:spPr>
+          <a:xfrm>
+            <a:off x="2919087" y="2288604"/>
+            <a:ext cx="6353826" cy="4331652"/>
+          </a:xfrm>
+          <a:prstGeom prst="rect">
+            <a:avLst/>
+          </a:prstGeom>
+        </p:spPr>
+      </p:pic>
+    </p:spTree>
+    <p:extLst>
+      <p:ext uri="{BB962C8B-B14F-4D97-AF65-F5344CB8AC3E}">
+        <p14:creationId xmlns:p14="http://schemas.microsoft.com/office/powerpoint/2010/main" val="763646529"/>
+      </p:ext>
+    </p:extLst>
+  </p:cSld>
+  <p:clrMapOvr>
+    <a:masterClrMapping/>
+  </p:clrMapOvr>
+</p:sld>
+</file>
+
+<file path=ppt/slides/slide16.xml><?xml version="1.0" encoding="utf-8"?>
+<p:sld xmlns:a="http://schemas.openxmlformats.org/drawingml/2006/main" xmlns:r="http://schemas.openxmlformats.org/officeDocument/2006/relationships" xmlns:p="http://schemas.openxmlformats.org/presentationml/2006/main">
+  <p:cSld>
+    <p:spTree>
+      <p:nvGrpSpPr>
+        <p:cNvPr id="1" name=""/>
+        <p:cNvGrpSpPr/>
+        <p:nvPr/>
+      </p:nvGrpSpPr>
+      <p:grpSpPr>
+        <a:xfrm>
+          <a:off x="0" y="0"/>
+          <a:ext cx="0" cy="0"/>
+          <a:chOff x="0" y="0"/>
+          <a:chExt cx="0" cy="0"/>
+        </a:xfrm>
+      </p:grpSpPr>
+      <p:sp>
+        <p:nvSpPr>
+          <p:cNvPr id="2" name="Title 1">
+            <a:extLst>
+              <a:ext uri="{FF2B5EF4-FFF2-40B4-BE49-F238E27FC236}">
+                <a16:creationId xmlns:a16="http://schemas.microsoft.com/office/drawing/2014/main" id="{FE3135CC-48B1-8541-B72F-50E80A613661}"/>
+              </a:ext>
+            </a:extLst>
+          </p:cNvPr>
+          <p:cNvSpPr>
+            <a:spLocks noGrp="1"/>
+          </p:cNvSpPr>
+          <p:nvPr>
+            <p:ph type="title"/>
+          </p:nvPr>
+        </p:nvSpPr>
+        <p:spPr/>
+        <p:txBody>
+          <a:bodyPr/>
+          <a:lstStyle/>
+          <a:p>
+            <a:r>
+              <a:rPr lang="en-US" dirty="0"/>
+              <a:t>Binary Search Iterative</a:t>
+            </a:r>
+          </a:p>
+        </p:txBody>
+      </p:sp>
+      <p:pic>
+        <p:nvPicPr>
+          <p:cNvPr id="4" name="Content Placeholder 3">
+            <a:extLst>
+              <a:ext uri="{FF2B5EF4-FFF2-40B4-BE49-F238E27FC236}">
+                <a16:creationId xmlns:a16="http://schemas.microsoft.com/office/drawing/2014/main" id="{C0821B67-5667-854E-97AC-CD71837BD3DC}"/>
+              </a:ext>
+            </a:extLst>
+          </p:cNvPr>
+          <p:cNvPicPr>
+            <a:picLocks noGrp="1" noChangeAspect="1"/>
+          </p:cNvPicPr>
+          <p:nvPr>
+            <p:ph idx="1"/>
+          </p:nvPr>
+        </p:nvPicPr>
+        <p:blipFill>
+          <a:blip r:embed="rId2"/>
+          <a:stretch>
+            <a:fillRect/>
+          </a:stretch>
+        </p:blipFill>
+        <p:spPr>
+          <a:xfrm>
+            <a:off x="3072384" y="2020380"/>
+            <a:ext cx="5347159" cy="4591278"/>
+          </a:xfrm>
+          <a:prstGeom prst="rect">
+            <a:avLst/>
+          </a:prstGeom>
+        </p:spPr>
+      </p:pic>
+    </p:spTree>
+    <p:extLst>
+      <p:ext uri="{BB962C8B-B14F-4D97-AF65-F5344CB8AC3E}">
+        <p14:creationId xmlns:p14="http://schemas.microsoft.com/office/powerpoint/2010/main" val="1125983159"/>
+      </p:ext>
+    </p:extLst>
+  </p:cSld>
+  <p:clrMapOvr>
+    <a:masterClrMapping/>
+  </p:clrMapOvr>
+</p:sld>
+</file>
+
+<file path=ppt/slides/slide17.xml><?xml version="1.0" encoding="utf-8"?>
+<p:sld xmlns:a="http://schemas.openxmlformats.org/drawingml/2006/main" xmlns:r="http://schemas.openxmlformats.org/officeDocument/2006/relationships" xmlns:p="http://schemas.openxmlformats.org/presentationml/2006/main">
+  <p:cSld>
+    <p:spTree>
+      <p:nvGrpSpPr>
+        <p:cNvPr id="1" name=""/>
+        <p:cNvGrpSpPr/>
+        <p:nvPr/>
+      </p:nvGrpSpPr>
+      <p:grpSpPr>
+        <a:xfrm>
+          <a:off x="0" y="0"/>
+          <a:ext cx="0" cy="0"/>
+          <a:chOff x="0" y="0"/>
+          <a:chExt cx="0" cy="0"/>
+        </a:xfrm>
+      </p:grpSpPr>
+      <p:sp>
+        <p:nvSpPr>
+          <p:cNvPr id="2" name="Title 1">
+            <a:extLst>
+              <a:ext uri="{FF2B5EF4-FFF2-40B4-BE49-F238E27FC236}">
+                <a16:creationId xmlns:a16="http://schemas.microsoft.com/office/drawing/2014/main" id="{FB20DFF6-FA38-434B-A5D3-D0A2870C6F8B}"/>
+              </a:ext>
+            </a:extLst>
+          </p:cNvPr>
+          <p:cNvSpPr>
+            <a:spLocks noGrp="1"/>
+          </p:cNvSpPr>
+          <p:nvPr>
+            <p:ph type="title"/>
+          </p:nvPr>
+        </p:nvSpPr>
+        <p:spPr/>
+        <p:txBody>
+          <a:bodyPr/>
+          <a:lstStyle/>
+          <a:p>
+            <a:r>
+              <a:rPr lang="en-US" dirty="0"/>
+              <a:t>Longest Common Subsequence</a:t>
+            </a:r>
+          </a:p>
+        </p:txBody>
+      </p:sp>
+      <p:sp>
+        <p:nvSpPr>
+          <p:cNvPr id="3" name="Content Placeholder 2">
+            <a:extLst>
+              <a:ext uri="{FF2B5EF4-FFF2-40B4-BE49-F238E27FC236}">
+                <a16:creationId xmlns:a16="http://schemas.microsoft.com/office/drawing/2014/main" id="{3843CF23-6C9B-A744-BF95-5310514DE956}"/>
+              </a:ext>
+            </a:extLst>
+          </p:cNvPr>
+          <p:cNvSpPr>
+            <a:spLocks noGrp="1"/>
+          </p:cNvSpPr>
+          <p:nvPr>
+            <p:ph idx="1"/>
+          </p:nvPr>
+        </p:nvSpPr>
+        <p:spPr>
+          <a:xfrm>
+            <a:off x="1490133" y="2312276"/>
+            <a:ext cx="9787467" cy="3651504"/>
+          </a:xfrm>
+        </p:spPr>
+        <p:txBody>
+          <a:bodyPr>
+            <a:normAutofit/>
+          </a:bodyPr>
+          <a:lstStyle/>
+          <a:p>
+            <a:pPr marL="342900" indent="-342900">
+              <a:buFont typeface="Arial" panose="020B0604020202020204" pitchFamily="34" charset="0"/>
+              <a:buChar char="•"/>
+            </a:pPr>
+            <a:r>
+              <a:rPr lang="en-US" sz="2400" dirty="0"/>
+              <a:t>Problem: Given two sequences, find the length of the longest subsequence present in both of them. </a:t>
+            </a:r>
+          </a:p>
+          <a:p>
+            <a:pPr marL="342900" indent="-342900">
+              <a:buFont typeface="Arial" panose="020B0604020202020204" pitchFamily="34" charset="0"/>
+              <a:buChar char="•"/>
+            </a:pPr>
+            <a:r>
+              <a:rPr lang="en-US" sz="2400" dirty="0"/>
+              <a:t>A subsequence is a sequence that appears in the same relative order, but not necessarily contiguous</a:t>
+            </a:r>
+          </a:p>
+        </p:txBody>
+      </p:sp>
+    </p:spTree>
+    <p:extLst>
+      <p:ext uri="{BB962C8B-B14F-4D97-AF65-F5344CB8AC3E}">
+        <p14:creationId xmlns:p14="http://schemas.microsoft.com/office/powerpoint/2010/main" val="1636946279"/>
+      </p:ext>
+    </p:extLst>
+  </p:cSld>
+  <p:clrMapOvr>
+    <a:masterClrMapping/>
+  </p:clrMapOvr>
+</p:sld>
+</file>
+
+<file path=ppt/slides/slide18.xml><?xml version="1.0" encoding="utf-8"?>
+<p:sld xmlns:a="http://schemas.openxmlformats.org/drawingml/2006/main" xmlns:r="http://schemas.openxmlformats.org/officeDocument/2006/relationships" xmlns:p="http://schemas.openxmlformats.org/presentationml/2006/main">
+  <p:cSld>
+    <p:spTree>
+      <p:nvGrpSpPr>
+        <p:cNvPr id="1" name=""/>
+        <p:cNvGrpSpPr/>
+        <p:nvPr/>
+      </p:nvGrpSpPr>
+      <p:grpSpPr>
+        <a:xfrm>
+          <a:off x="0" y="0"/>
+          <a:ext cx="0" cy="0"/>
+          <a:chOff x="0" y="0"/>
+          <a:chExt cx="0" cy="0"/>
+        </a:xfrm>
+      </p:grpSpPr>
+      <p:sp>
+        <p:nvSpPr>
+          <p:cNvPr id="2" name="Title 1">
+            <a:extLst>
+              <a:ext uri="{FF2B5EF4-FFF2-40B4-BE49-F238E27FC236}">
+                <a16:creationId xmlns:a16="http://schemas.microsoft.com/office/drawing/2014/main" id="{FB20DFF6-FA38-434B-A5D3-D0A2870C6F8B}"/>
+              </a:ext>
+            </a:extLst>
+          </p:cNvPr>
+          <p:cNvSpPr>
+            <a:spLocks noGrp="1"/>
+          </p:cNvSpPr>
+          <p:nvPr>
+            <p:ph type="title"/>
+          </p:nvPr>
+        </p:nvSpPr>
+        <p:spPr/>
+        <p:txBody>
+          <a:bodyPr/>
+          <a:lstStyle/>
+          <a:p>
+            <a:r>
+              <a:rPr lang="en-US" dirty="0"/>
+              <a:t>Longest Common Subsequence</a:t>
+            </a:r>
+          </a:p>
+        </p:txBody>
+      </p:sp>
+      <p:sp>
+        <p:nvSpPr>
+          <p:cNvPr id="3" name="Content Placeholder 2">
+            <a:extLst>
+              <a:ext uri="{FF2B5EF4-FFF2-40B4-BE49-F238E27FC236}">
+                <a16:creationId xmlns:a16="http://schemas.microsoft.com/office/drawing/2014/main" id="{3843CF23-6C9B-A744-BF95-5310514DE956}"/>
+              </a:ext>
+            </a:extLst>
+          </p:cNvPr>
+          <p:cNvSpPr>
+            <a:spLocks noGrp="1"/>
+          </p:cNvSpPr>
+          <p:nvPr>
+            <p:ph idx="1"/>
+          </p:nvPr>
+        </p:nvSpPr>
+        <p:spPr>
+          <a:xfrm>
+            <a:off x="1490133" y="2312276"/>
+            <a:ext cx="9787467" cy="3651504"/>
+          </a:xfrm>
+        </p:spPr>
+        <p:txBody>
+          <a:bodyPr>
+            <a:normAutofit/>
+          </a:bodyPr>
+          <a:lstStyle/>
+          <a:p>
+            <a:pPr marL="342900" indent="-342900">
+              <a:buFont typeface="Arial" panose="020B0604020202020204" pitchFamily="34" charset="0"/>
+              <a:buChar char="•"/>
+            </a:pPr>
+            <a:r>
+              <a:rPr lang="en-US" sz="2400" dirty="0"/>
+              <a:t>Example: ”</a:t>
+            </a:r>
+            <a:r>
+              <a:rPr lang="en-US" sz="2400" dirty="0" err="1"/>
+              <a:t>abc</a:t>
+            </a:r>
+            <a:r>
+              <a:rPr lang="en-US" sz="2400" dirty="0"/>
+              <a:t>”, “</a:t>
+            </a:r>
+            <a:r>
+              <a:rPr lang="en-US" sz="2400" dirty="0" err="1"/>
+              <a:t>abg</a:t>
+            </a:r>
+            <a:r>
+              <a:rPr lang="en-US" sz="2400" dirty="0"/>
+              <a:t>”, “</a:t>
+            </a:r>
+            <a:r>
+              <a:rPr lang="en-US" sz="2400" dirty="0" err="1"/>
+              <a:t>bdf</a:t>
+            </a:r>
+            <a:r>
+              <a:rPr lang="en-US" sz="2400" dirty="0"/>
+              <a:t>” are subsequences of “</a:t>
+            </a:r>
+            <a:r>
+              <a:rPr lang="en-US" sz="2400" dirty="0" err="1"/>
+              <a:t>abcdefg</a:t>
+            </a:r>
+            <a:r>
+              <a:rPr lang="en-US" sz="2400" dirty="0"/>
+              <a:t>”</a:t>
+            </a:r>
+          </a:p>
+          <a:p>
+            <a:pPr marL="342900" indent="-342900">
+              <a:buFont typeface="Arial" panose="020B0604020202020204" pitchFamily="34" charset="0"/>
+              <a:buChar char="•"/>
+            </a:pPr>
+            <a:r>
+              <a:rPr lang="en-CA" sz="2400" dirty="0"/>
+              <a:t>LCS for input Sequences “ABCDGH” and “AEDFHR” is “ADH” of length 3</a:t>
+            </a:r>
+          </a:p>
+          <a:p>
+            <a:pPr marL="342900" indent="-342900">
+              <a:buFont typeface="Arial" panose="020B0604020202020204" pitchFamily="34" charset="0"/>
+              <a:buChar char="•"/>
+            </a:pPr>
+            <a:r>
+              <a:rPr lang="en-CA" sz="2400" dirty="0"/>
+              <a:t>LCS for input Sequences “AGGTAB” and “GXTXAYB” is “GTAB” of length 4</a:t>
+            </a:r>
+            <a:endParaRPr lang="en-US" sz="2400" dirty="0"/>
+          </a:p>
+        </p:txBody>
+      </p:sp>
+    </p:spTree>
+    <p:extLst>
+      <p:ext uri="{BB962C8B-B14F-4D97-AF65-F5344CB8AC3E}">
+        <p14:creationId xmlns:p14="http://schemas.microsoft.com/office/powerpoint/2010/main" val="1367004743"/>
+      </p:ext>
+    </p:extLst>
+  </p:cSld>
+  <p:clrMapOvr>
+    <a:masterClrMapping/>
+  </p:clrMapOvr>
+</p:sld>
+</file>
+
+<file path=ppt/slides/slide19.xml><?xml version="1.0" encoding="utf-8"?>
+<p:sld xmlns:a="http://schemas.openxmlformats.org/drawingml/2006/main" xmlns:r="http://schemas.openxmlformats.org/officeDocument/2006/relationships" xmlns:p="http://schemas.openxmlformats.org/presentationml/2006/main">
+  <p:cSld>
+    <p:spTree>
+      <p:nvGrpSpPr>
+        <p:cNvPr id="1" name=""/>
+        <p:cNvGrpSpPr/>
+        <p:nvPr/>
+      </p:nvGrpSpPr>
+      <p:grpSpPr>
+        <a:xfrm>
+          <a:off x="0" y="0"/>
+          <a:ext cx="0" cy="0"/>
+          <a:chOff x="0" y="0"/>
+          <a:chExt cx="0" cy="0"/>
+        </a:xfrm>
+      </p:grpSpPr>
+      <p:sp>
+        <p:nvSpPr>
+          <p:cNvPr id="2" name="Title 1">
+            <a:extLst>
+              <a:ext uri="{FF2B5EF4-FFF2-40B4-BE49-F238E27FC236}">
+                <a16:creationId xmlns:a16="http://schemas.microsoft.com/office/drawing/2014/main" id="{485AC6C4-3419-CE4E-9E64-4F7F742A70C8}"/>
+              </a:ext>
+            </a:extLst>
+          </p:cNvPr>
+          <p:cNvSpPr>
+            <a:spLocks noGrp="1"/>
+          </p:cNvSpPr>
+          <p:nvPr>
+            <p:ph type="title"/>
+          </p:nvPr>
+        </p:nvSpPr>
+        <p:spPr/>
+        <p:txBody>
+          <a:bodyPr/>
+          <a:lstStyle/>
+          <a:p>
+            <a:r>
+              <a:rPr lang="en-US" dirty="0"/>
+              <a:t>Longest Common Subsequence</a:t>
+            </a:r>
+          </a:p>
+        </p:txBody>
+      </p:sp>
+      <p:sp>
+        <p:nvSpPr>
+          <p:cNvPr id="3" name="Content Placeholder 2">
+            <a:extLst>
+              <a:ext uri="{FF2B5EF4-FFF2-40B4-BE49-F238E27FC236}">
+                <a16:creationId xmlns:a16="http://schemas.microsoft.com/office/drawing/2014/main" id="{9C7A5D39-91D0-7D49-9EB0-AFD6B8551D18}"/>
+              </a:ext>
+            </a:extLst>
+          </p:cNvPr>
+          <p:cNvSpPr>
+            <a:spLocks noGrp="1"/>
+          </p:cNvSpPr>
+          <p:nvPr>
+            <p:ph idx="1"/>
+          </p:nvPr>
+        </p:nvSpPr>
+        <p:spPr/>
+        <p:txBody>
+          <a:bodyPr>
+            <a:normAutofit/>
+          </a:bodyPr>
+          <a:lstStyle/>
+          <a:p>
+            <a:pPr marL="342900" indent="-342900">
+              <a:buFont typeface="Arial" panose="020B0604020202020204" pitchFamily="34" charset="0"/>
+              <a:buChar char="•"/>
+            </a:pPr>
+            <a:r>
+              <a:rPr lang="en-US" sz="2400" dirty="0"/>
+              <a:t>Naïve solution: generate all subsequences of both given sequences and find the longest matching subsequence</a:t>
+            </a:r>
+          </a:p>
+          <a:p>
+            <a:pPr marL="342900" indent="-342900">
+              <a:buFont typeface="Arial" panose="020B0604020202020204" pitchFamily="34" charset="0"/>
+              <a:buChar char="•"/>
+            </a:pPr>
+            <a:endParaRPr lang="en-US" sz="2400" dirty="0"/>
+          </a:p>
+        </p:txBody>
+      </p:sp>
+    </p:spTree>
+    <p:extLst>
+      <p:ext uri="{BB962C8B-B14F-4D97-AF65-F5344CB8AC3E}">
+        <p14:creationId xmlns:p14="http://schemas.microsoft.com/office/powerpoint/2010/main" val="853717287"/>
+      </p:ext>
+    </p:extLst>
+  </p:cSld>
+  <p:clrMapOvr>
+    <a:masterClrMapping/>
+  </p:clrMapOvr>
+</p:sld>
+</file>
+
+<file path=ppt/slides/slide2.xml><?xml version="1.0" encoding="utf-8"?>
+<p:sld xmlns:a="http://schemas.openxmlformats.org/drawingml/2006/main" xmlns:r="http://schemas.openxmlformats.org/officeDocument/2006/relationships" xmlns:p="http://schemas.openxmlformats.org/presentationml/2006/main">
+  <p:cSld>
+    <p:spTree>
+      <p:nvGrpSpPr>
+        <p:cNvPr id="1" name=""/>
+        <p:cNvGrpSpPr/>
+        <p:nvPr/>
+      </p:nvGrpSpPr>
+      <p:grpSpPr>
+        <a:xfrm>
+          <a:off x="0" y="0"/>
+          <a:ext cx="0" cy="0"/>
+          <a:chOff x="0" y="0"/>
+          <a:chExt cx="0" cy="0"/>
+        </a:xfrm>
+      </p:grpSpPr>
+      <p:sp>
+        <p:nvSpPr>
+          <p:cNvPr id="2" name="Title 1">
+            <a:extLst>
+              <a:ext uri="{FF2B5EF4-FFF2-40B4-BE49-F238E27FC236}">
+                <a16:creationId xmlns:a16="http://schemas.microsoft.com/office/drawing/2014/main" id="{03B2A65D-39AE-654E-9DD2-CCD16783D476}"/>
+              </a:ext>
+            </a:extLst>
+          </p:cNvPr>
+          <p:cNvSpPr>
+            <a:spLocks noGrp="1"/>
+          </p:cNvSpPr>
+          <p:nvPr>
+            <p:ph type="title"/>
+          </p:nvPr>
+        </p:nvSpPr>
+        <p:spPr/>
+        <p:txBody>
+          <a:bodyPr/>
+          <a:lstStyle/>
+          <a:p>
+            <a:r>
+              <a:rPr lang="en-US" dirty="0"/>
+              <a:t>Problems and Subproblems</a:t>
+            </a:r>
+          </a:p>
+        </p:txBody>
+      </p:sp>
+      <p:sp>
+        <p:nvSpPr>
+          <p:cNvPr id="3" name="Content Placeholder 2">
+            <a:extLst>
+              <a:ext uri="{FF2B5EF4-FFF2-40B4-BE49-F238E27FC236}">
+                <a16:creationId xmlns:a16="http://schemas.microsoft.com/office/drawing/2014/main" id="{08211716-FBAA-084D-A160-AD2C7CE79FAB}"/>
+              </a:ext>
+            </a:extLst>
+          </p:cNvPr>
+          <p:cNvSpPr>
+            <a:spLocks noGrp="1"/>
+          </p:cNvSpPr>
+          <p:nvPr>
+            <p:ph idx="1"/>
+          </p:nvPr>
+        </p:nvSpPr>
+        <p:spPr>
+          <a:xfrm>
+            <a:off x="1456268" y="2312275"/>
+            <a:ext cx="10227732" cy="4103505"/>
+          </a:xfrm>
+        </p:spPr>
+        <p:txBody>
+          <a:bodyPr>
+            <a:normAutofit fontScale="92500"/>
+          </a:bodyPr>
+          <a:lstStyle/>
+          <a:p>
+            <a:r>
+              <a:rPr lang="en-US" sz="2400" dirty="0"/>
+              <a:t>We can often describe a problem as a function</a:t>
+            </a:r>
+          </a:p>
+          <a:p>
+            <a:r>
+              <a:rPr lang="en-US" sz="2400" dirty="0"/>
+              <a:t>	fib(n): the </a:t>
+            </a:r>
+            <a:r>
+              <a:rPr lang="en-US" sz="2400" dirty="0" err="1"/>
+              <a:t>n’th</a:t>
+            </a:r>
+            <a:r>
+              <a:rPr lang="en-US" sz="2400" dirty="0"/>
+              <a:t> Fibonacci number</a:t>
+            </a:r>
+          </a:p>
+          <a:p>
+            <a:r>
+              <a:rPr lang="en-US" sz="2400" dirty="0"/>
+              <a:t>Substituting a number for n, we get an instance of the problem</a:t>
+            </a:r>
+          </a:p>
+          <a:p>
+            <a:r>
+              <a:rPr lang="en-US" sz="2400" dirty="0"/>
+              <a:t>	fib(5): the 5’th Fibonacci number</a:t>
+            </a:r>
+          </a:p>
+          <a:p>
+            <a:r>
+              <a:rPr lang="en-US" sz="2400" dirty="0"/>
+              <a:t>For every instance of the problem, we can find a solution for it, or declare that none exists</a:t>
+            </a:r>
+          </a:p>
+          <a:p>
+            <a:r>
+              <a:rPr lang="en-US" sz="2400" dirty="0"/>
+              <a:t>	fib(5) = fib(4) + fib(3) = … = 5</a:t>
+            </a:r>
+          </a:p>
+        </p:txBody>
+      </p:sp>
+    </p:spTree>
+    <p:extLst>
+      <p:ext uri="{BB962C8B-B14F-4D97-AF65-F5344CB8AC3E}">
+        <p14:creationId xmlns:p14="http://schemas.microsoft.com/office/powerpoint/2010/main" val="2605093570"/>
+      </p:ext>
+    </p:extLst>
+  </p:cSld>
+  <p:clrMapOvr>
+    <a:masterClrMapping/>
+  </p:clrMapOvr>
+</p:sld>
+</file>
+
+<file path=ppt/slides/slide20.xml><?xml version="1.0" encoding="utf-8"?>
+<p:sld xmlns:a="http://schemas.openxmlformats.org/drawingml/2006/main" xmlns:r="http://schemas.openxmlformats.org/officeDocument/2006/relationships" xmlns:p="http://schemas.openxmlformats.org/presentationml/2006/main">
+  <p:cSld>
+    <p:spTree>
+      <p:nvGrpSpPr>
+        <p:cNvPr id="1" name=""/>
+        <p:cNvGrpSpPr/>
+        <p:nvPr/>
+      </p:nvGrpSpPr>
+      <p:grpSpPr>
+        <a:xfrm>
+          <a:off x="0" y="0"/>
+          <a:ext cx="0" cy="0"/>
+          <a:chOff x="0" y="0"/>
+          <a:chExt cx="0" cy="0"/>
+        </a:xfrm>
+      </p:grpSpPr>
+      <p:sp>
+        <p:nvSpPr>
+          <p:cNvPr id="2" name="Title 1">
+            <a:extLst>
+              <a:ext uri="{FF2B5EF4-FFF2-40B4-BE49-F238E27FC236}">
                 <a16:creationId xmlns:a16="http://schemas.microsoft.com/office/drawing/2014/main" id="{485AC6C4-3419-CE4E-9E64-4F7F742A70C8}"/>
               </a:ext>
             </a:extLst>
@@ -8095,7 +8798,7 @@
 </p:sld>
 </file>
 
-<file path=ppt/slides/slide16.xml><?xml version="1.0" encoding="utf-8"?>
+<file path=ppt/slides/slide21.xml><?xml version="1.0" encoding="utf-8"?>
 <p:sld xmlns:a="http://schemas.openxmlformats.org/drawingml/2006/main" xmlns:r="http://schemas.openxmlformats.org/officeDocument/2006/relationships" xmlns:p="http://schemas.openxmlformats.org/presentationml/2006/main">
   <p:cSld>
     <p:spTree>
@@ -8233,7 +8936,7 @@
 </p:sld>
 </file>
 
-<file path=ppt/slides/slide17.xml><?xml version="1.0" encoding="utf-8"?>
+<file path=ppt/slides/slide22.xml><?xml version="1.0" encoding="utf-8"?>
 <p:sld xmlns:a="http://schemas.openxmlformats.org/drawingml/2006/main" xmlns:r="http://schemas.openxmlformats.org/officeDocument/2006/relationships" xmlns:p="http://schemas.openxmlformats.org/presentationml/2006/main">
   <p:cSld>
     <p:spTree>
@@ -8320,7 +9023,7 @@
 </p:sld>
 </file>
 
-<file path=ppt/slides/slide18.xml><?xml version="1.0" encoding="utf-8"?>
+<file path=ppt/slides/slide23.xml><?xml version="1.0" encoding="utf-8"?>
 <p:sld xmlns:a="http://schemas.openxmlformats.org/drawingml/2006/main" xmlns:r="http://schemas.openxmlformats.org/officeDocument/2006/relationships" xmlns:p="http://schemas.openxmlformats.org/presentationml/2006/main">
   <p:cSld>
     <p:spTree>
@@ -8453,7 +9156,7 @@
 </p:sld>
 </file>
 
-<file path=ppt/slides/slide19.xml><?xml version="1.0" encoding="utf-8"?>
+<file path=ppt/slides/slide24.xml><?xml version="1.0" encoding="utf-8"?>
 <p:sld xmlns:a="http://schemas.openxmlformats.org/drawingml/2006/main" xmlns:r="http://schemas.openxmlformats.org/officeDocument/2006/relationships" xmlns:p="http://schemas.openxmlformats.org/presentationml/2006/main">
   <p:cSld>
     <p:spTree>
@@ -8576,7 +9279,7 @@
 </p:sld>
 </file>
 
-<file path=ppt/slides/slide2.xml><?xml version="1.0" encoding="utf-8"?>
+<file path=ppt/slides/slide25.xml><?xml version="1.0" encoding="utf-8"?>
 <p:sld xmlns:a="http://schemas.openxmlformats.org/drawingml/2006/main" xmlns:r="http://schemas.openxmlformats.org/officeDocument/2006/relationships" xmlns:p="http://schemas.openxmlformats.org/presentationml/2006/main">
   <p:cSld>
     <p:spTree>
@@ -8598,137 +9301,6 @@
           <p:cNvPr id="2" name="Title 1">
             <a:extLst>
               <a:ext uri="{FF2B5EF4-FFF2-40B4-BE49-F238E27FC236}">
-                <a16:creationId xmlns:a16="http://schemas.microsoft.com/office/drawing/2014/main" id="{03B2A65D-39AE-654E-9DD2-CCD16783D476}"/>
-              </a:ext>
-            </a:extLst>
-          </p:cNvPr>
-          <p:cNvSpPr>
-            <a:spLocks noGrp="1"/>
-          </p:cNvSpPr>
-          <p:nvPr>
-            <p:ph type="title"/>
-          </p:nvPr>
-        </p:nvSpPr>
-        <p:spPr/>
-        <p:txBody>
-          <a:bodyPr/>
-          <a:lstStyle/>
-          <a:p>
-            <a:r>
-              <a:rPr lang="en-US" dirty="0"/>
-              <a:t>Problems and Subproblems</a:t>
-            </a:r>
-          </a:p>
-        </p:txBody>
-      </p:sp>
-      <p:sp>
-        <p:nvSpPr>
-          <p:cNvPr id="3" name="Content Placeholder 2">
-            <a:extLst>
-              <a:ext uri="{FF2B5EF4-FFF2-40B4-BE49-F238E27FC236}">
-                <a16:creationId xmlns:a16="http://schemas.microsoft.com/office/drawing/2014/main" id="{08211716-FBAA-084D-A160-AD2C7CE79FAB}"/>
-              </a:ext>
-            </a:extLst>
-          </p:cNvPr>
-          <p:cNvSpPr>
-            <a:spLocks noGrp="1"/>
-          </p:cNvSpPr>
-          <p:nvPr>
-            <p:ph idx="1"/>
-          </p:nvPr>
-        </p:nvSpPr>
-        <p:spPr>
-          <a:xfrm>
-            <a:off x="1456268" y="2312275"/>
-            <a:ext cx="10227732" cy="4103505"/>
-          </a:xfrm>
-        </p:spPr>
-        <p:txBody>
-          <a:bodyPr>
-            <a:normAutofit fontScale="92500"/>
-          </a:bodyPr>
-          <a:lstStyle/>
-          <a:p>
-            <a:r>
-              <a:rPr lang="en-US" sz="2400" dirty="0"/>
-              <a:t>We can often describe a problem as a function</a:t>
-            </a:r>
-          </a:p>
-          <a:p>
-            <a:r>
-              <a:rPr lang="en-US" sz="2400" dirty="0"/>
-              <a:t>	fib(n): the </a:t>
-            </a:r>
-            <a:r>
-              <a:rPr lang="en-US" sz="2400" dirty="0" err="1"/>
-              <a:t>n’th</a:t>
-            </a:r>
-            <a:r>
-              <a:rPr lang="en-US" sz="2400" dirty="0"/>
-              <a:t> Fibonacci number</a:t>
-            </a:r>
-          </a:p>
-          <a:p>
-            <a:r>
-              <a:rPr lang="en-US" sz="2400" dirty="0"/>
-              <a:t>Substituting a number for n, we get an instance of the problem</a:t>
-            </a:r>
-          </a:p>
-          <a:p>
-            <a:r>
-              <a:rPr lang="en-US" sz="2400" dirty="0"/>
-              <a:t>	fib(5): the 5’th Fibonacci number</a:t>
-            </a:r>
-          </a:p>
-          <a:p>
-            <a:r>
-              <a:rPr lang="en-US" sz="2400" dirty="0"/>
-              <a:t>For every instance of the problem, we can find a solution for it, or declare that none exists</a:t>
-            </a:r>
-          </a:p>
-          <a:p>
-            <a:r>
-              <a:rPr lang="en-US" sz="2400" dirty="0"/>
-              <a:t>	fib(5) = fib(4) + fib(3) = … = 5</a:t>
-            </a:r>
-          </a:p>
-        </p:txBody>
-      </p:sp>
-    </p:spTree>
-    <p:extLst>
-      <p:ext uri="{BB962C8B-B14F-4D97-AF65-F5344CB8AC3E}">
-        <p14:creationId xmlns:p14="http://schemas.microsoft.com/office/powerpoint/2010/main" val="2605093570"/>
-      </p:ext>
-    </p:extLst>
-  </p:cSld>
-  <p:clrMapOvr>
-    <a:masterClrMapping/>
-  </p:clrMapOvr>
-</p:sld>
-</file>
-
-<file path=ppt/slides/slide20.xml><?xml version="1.0" encoding="utf-8"?>
-<p:sld xmlns:a="http://schemas.openxmlformats.org/drawingml/2006/main" xmlns:r="http://schemas.openxmlformats.org/officeDocument/2006/relationships" xmlns:p="http://schemas.openxmlformats.org/presentationml/2006/main">
-  <p:cSld>
-    <p:spTree>
-      <p:nvGrpSpPr>
-        <p:cNvPr id="1" name=""/>
-        <p:cNvGrpSpPr/>
-        <p:nvPr/>
-      </p:nvGrpSpPr>
-      <p:grpSpPr>
-        <a:xfrm>
-          <a:off x="0" y="0"/>
-          <a:ext cx="0" cy="0"/>
-          <a:chOff x="0" y="0"/>
-          <a:chExt cx="0" cy="0"/>
-        </a:xfrm>
-      </p:grpSpPr>
-      <p:sp>
-        <p:nvSpPr>
-          <p:cNvPr id="2" name="Title 1">
-            <a:extLst>
-              <a:ext uri="{FF2B5EF4-FFF2-40B4-BE49-F238E27FC236}">
                 <a16:creationId xmlns:a16="http://schemas.microsoft.com/office/drawing/2014/main" id="{37B5A749-5B4E-8B4B-8178-AD31FF7DD009}"/>
               </a:ext>
             </a:extLst>
@@ -8877,7 +9449,7 @@
 </p:sld>
 </file>
 
-<file path=ppt/slides/slide21.xml><?xml version="1.0" encoding="utf-8"?>
+<file path=ppt/slides/slide26.xml><?xml version="1.0" encoding="utf-8"?>
 <p:sld xmlns:a="http://schemas.openxmlformats.org/drawingml/2006/main" xmlns:r="http://schemas.openxmlformats.org/officeDocument/2006/relationships" xmlns:p="http://schemas.openxmlformats.org/presentationml/2006/main">
   <p:cSld>
     <p:spTree>
@@ -8964,7 +9536,7 @@
 </p:sld>
 </file>
 
-<file path=ppt/slides/slide22.xml><?xml version="1.0" encoding="utf-8"?>
+<file path=ppt/slides/slide27.xml><?xml version="1.0" encoding="utf-8"?>
 <p:sld xmlns:a="http://schemas.openxmlformats.org/drawingml/2006/main" xmlns:r="http://schemas.openxmlformats.org/officeDocument/2006/relationships" xmlns:p="http://schemas.openxmlformats.org/presentationml/2006/main">
   <p:cSld>
     <p:spTree>
@@ -9057,7 +9629,7 @@
 </p:sld>
 </file>
 
-<file path=ppt/slides/slide23.xml><?xml version="1.0" encoding="utf-8"?>
+<file path=ppt/slides/slide28.xml><?xml version="1.0" encoding="utf-8"?>
 <p:sld xmlns:a="http://schemas.openxmlformats.org/drawingml/2006/main" xmlns:r="http://schemas.openxmlformats.org/officeDocument/2006/relationships" xmlns:p="http://schemas.openxmlformats.org/presentationml/2006/main">
   <p:cSld>
     <p:spTree>
@@ -9307,7 +9879,7 @@
 </p:sld>
 </file>
 
-<file path=ppt/slides/slide24.xml><?xml version="1.0" encoding="utf-8"?>
+<file path=ppt/slides/slide29.xml><?xml version="1.0" encoding="utf-8"?>
 <p:sld xmlns:a="http://schemas.openxmlformats.org/drawingml/2006/main" xmlns:r="http://schemas.openxmlformats.org/officeDocument/2006/relationships" xmlns:p="http://schemas.openxmlformats.org/presentationml/2006/main">
   <p:cSld>
     <p:spTree>
@@ -9392,124 +9964,6 @@
     <p:extLst>
       <p:ext uri="{BB962C8B-B14F-4D97-AF65-F5344CB8AC3E}">
         <p14:creationId xmlns:p14="http://schemas.microsoft.com/office/powerpoint/2010/main" val="1089798654"/>
-      </p:ext>
-    </p:extLst>
-  </p:cSld>
-  <p:clrMapOvr>
-    <a:masterClrMapping/>
-  </p:clrMapOvr>
-</p:sld>
-</file>
-
-<file path=ppt/slides/slide25.xml><?xml version="1.0" encoding="utf-8"?>
-<p:sld xmlns:a="http://schemas.openxmlformats.org/drawingml/2006/main" xmlns:r="http://schemas.openxmlformats.org/officeDocument/2006/relationships" xmlns:p="http://schemas.openxmlformats.org/presentationml/2006/main">
-  <p:cSld>
-    <p:spTree>
-      <p:nvGrpSpPr>
-        <p:cNvPr id="1" name=""/>
-        <p:cNvGrpSpPr/>
-        <p:nvPr/>
-      </p:nvGrpSpPr>
-      <p:grpSpPr>
-        <a:xfrm>
-          <a:off x="0" y="0"/>
-          <a:ext cx="0" cy="0"/>
-          <a:chOff x="0" y="0"/>
-          <a:chExt cx="0" cy="0"/>
-        </a:xfrm>
-      </p:grpSpPr>
-      <p:sp>
-        <p:nvSpPr>
-          <p:cNvPr id="2" name="Title 1">
-            <a:extLst>
-              <a:ext uri="{FF2B5EF4-FFF2-40B4-BE49-F238E27FC236}">
-                <a16:creationId xmlns:a16="http://schemas.microsoft.com/office/drawing/2014/main" id="{28C3EFDF-C227-FF41-90F1-5583AB803E51}"/>
-              </a:ext>
-            </a:extLst>
-          </p:cNvPr>
-          <p:cNvSpPr>
-            <a:spLocks noGrp="1"/>
-          </p:cNvSpPr>
-          <p:nvPr>
-            <p:ph type="title"/>
-          </p:nvPr>
-        </p:nvSpPr>
-        <p:spPr/>
-        <p:txBody>
-          <a:bodyPr/>
-          <a:lstStyle/>
-          <a:p>
-            <a:r>
-              <a:rPr lang="en-US" dirty="0"/>
-              <a:t>Homework</a:t>
-            </a:r>
-          </a:p>
-        </p:txBody>
-      </p:sp>
-      <p:sp>
-        <p:nvSpPr>
-          <p:cNvPr id="3" name="Content Placeholder 2">
-            <a:extLst>
-              <a:ext uri="{FF2B5EF4-FFF2-40B4-BE49-F238E27FC236}">
-                <a16:creationId xmlns:a16="http://schemas.microsoft.com/office/drawing/2014/main" id="{CF64CF6E-5F21-4C4D-AA8B-699172D1DECB}"/>
-              </a:ext>
-            </a:extLst>
-          </p:cNvPr>
-          <p:cNvSpPr>
-            <a:spLocks noGrp="1"/>
-          </p:cNvSpPr>
-          <p:nvPr>
-            <p:ph idx="1"/>
-          </p:nvPr>
-        </p:nvSpPr>
-        <p:spPr/>
-        <p:txBody>
-          <a:bodyPr/>
-          <a:lstStyle/>
-          <a:p>
-            <a:r>
-              <a:rPr lang="en-US" dirty="0">
-                <a:hlinkClick r:id="rId2"/>
-              </a:rPr>
-              <a:t>https://leetcode.com/problems/maximum-subarray/</a:t>
-            </a:r>
-            <a:endParaRPr lang="en-US" dirty="0"/>
-          </a:p>
-          <a:p>
-            <a:r>
-              <a:rPr lang="en-US" dirty="0">
-                <a:hlinkClick r:id="rId3"/>
-              </a:rPr>
-              <a:t>https://leetcode.com/problems/longest-palindromic-substring/</a:t>
-            </a:r>
-            <a:endParaRPr lang="en-US" dirty="0"/>
-          </a:p>
-          <a:p>
-            <a:r>
-              <a:rPr lang="en-US" dirty="0">
-                <a:hlinkClick r:id="rId4"/>
-              </a:rPr>
-              <a:t>https://leetcode.com/problems/longest-valid-parentheses/</a:t>
-            </a:r>
-            <a:endParaRPr lang="en-US" dirty="0"/>
-          </a:p>
-          <a:p>
-            <a:r>
-              <a:rPr lang="en-US" dirty="0"/>
-              <a:t>For more practice, search for DP problems on </a:t>
-            </a:r>
-            <a:r>
-              <a:rPr lang="en-US" dirty="0" err="1"/>
-              <a:t>LeetCode</a:t>
-            </a:r>
-            <a:endParaRPr lang="en-US" dirty="0"/>
-          </a:p>
-        </p:txBody>
-      </p:sp>
-    </p:spTree>
-    <p:extLst>
-      <p:ext uri="{BB962C8B-B14F-4D97-AF65-F5344CB8AC3E}">
-        <p14:creationId xmlns:p14="http://schemas.microsoft.com/office/powerpoint/2010/main" val="392227806"/>
       </p:ext>
     </p:extLst>
   </p:cSld>
@@ -9627,6 +10081,124 @@
     <p:extLst>
       <p:ext uri="{BB962C8B-B14F-4D97-AF65-F5344CB8AC3E}">
         <p14:creationId xmlns:p14="http://schemas.microsoft.com/office/powerpoint/2010/main" val="3083518580"/>
+      </p:ext>
+    </p:extLst>
+  </p:cSld>
+  <p:clrMapOvr>
+    <a:masterClrMapping/>
+  </p:clrMapOvr>
+</p:sld>
+</file>
+
+<file path=ppt/slides/slide30.xml><?xml version="1.0" encoding="utf-8"?>
+<p:sld xmlns:a="http://schemas.openxmlformats.org/drawingml/2006/main" xmlns:r="http://schemas.openxmlformats.org/officeDocument/2006/relationships" xmlns:p="http://schemas.openxmlformats.org/presentationml/2006/main">
+  <p:cSld>
+    <p:spTree>
+      <p:nvGrpSpPr>
+        <p:cNvPr id="1" name=""/>
+        <p:cNvGrpSpPr/>
+        <p:nvPr/>
+      </p:nvGrpSpPr>
+      <p:grpSpPr>
+        <a:xfrm>
+          <a:off x="0" y="0"/>
+          <a:ext cx="0" cy="0"/>
+          <a:chOff x="0" y="0"/>
+          <a:chExt cx="0" cy="0"/>
+        </a:xfrm>
+      </p:grpSpPr>
+      <p:sp>
+        <p:nvSpPr>
+          <p:cNvPr id="2" name="Title 1">
+            <a:extLst>
+              <a:ext uri="{FF2B5EF4-FFF2-40B4-BE49-F238E27FC236}">
+                <a16:creationId xmlns:a16="http://schemas.microsoft.com/office/drawing/2014/main" id="{28C3EFDF-C227-FF41-90F1-5583AB803E51}"/>
+              </a:ext>
+            </a:extLst>
+          </p:cNvPr>
+          <p:cNvSpPr>
+            <a:spLocks noGrp="1"/>
+          </p:cNvSpPr>
+          <p:nvPr>
+            <p:ph type="title"/>
+          </p:nvPr>
+        </p:nvSpPr>
+        <p:spPr/>
+        <p:txBody>
+          <a:bodyPr/>
+          <a:lstStyle/>
+          <a:p>
+            <a:r>
+              <a:rPr lang="en-US" dirty="0"/>
+              <a:t>Homework</a:t>
+            </a:r>
+          </a:p>
+        </p:txBody>
+      </p:sp>
+      <p:sp>
+        <p:nvSpPr>
+          <p:cNvPr id="3" name="Content Placeholder 2">
+            <a:extLst>
+              <a:ext uri="{FF2B5EF4-FFF2-40B4-BE49-F238E27FC236}">
+                <a16:creationId xmlns:a16="http://schemas.microsoft.com/office/drawing/2014/main" id="{CF64CF6E-5F21-4C4D-AA8B-699172D1DECB}"/>
+              </a:ext>
+            </a:extLst>
+          </p:cNvPr>
+          <p:cNvSpPr>
+            <a:spLocks noGrp="1"/>
+          </p:cNvSpPr>
+          <p:nvPr>
+            <p:ph idx="1"/>
+          </p:nvPr>
+        </p:nvSpPr>
+        <p:spPr/>
+        <p:txBody>
+          <a:bodyPr/>
+          <a:lstStyle/>
+          <a:p>
+            <a:r>
+              <a:rPr lang="en-US" dirty="0">
+                <a:hlinkClick r:id="rId2"/>
+              </a:rPr>
+              <a:t>https://leetcode.com/problems/maximum-subarray/</a:t>
+            </a:r>
+            <a:endParaRPr lang="en-US" dirty="0"/>
+          </a:p>
+          <a:p>
+            <a:r>
+              <a:rPr lang="en-US" dirty="0">
+                <a:hlinkClick r:id="rId3"/>
+              </a:rPr>
+              <a:t>https://leetcode.com/problems/longest-palindromic-substring/</a:t>
+            </a:r>
+            <a:endParaRPr lang="en-US" dirty="0"/>
+          </a:p>
+          <a:p>
+            <a:r>
+              <a:rPr lang="en-US" dirty="0">
+                <a:hlinkClick r:id="rId4"/>
+              </a:rPr>
+              <a:t>https://leetcode.com/problems/longest-valid-parentheses/</a:t>
+            </a:r>
+            <a:endParaRPr lang="en-US" dirty="0"/>
+          </a:p>
+          <a:p>
+            <a:r>
+              <a:rPr lang="en-US" dirty="0"/>
+              <a:t>For more practice, search for DP problems on </a:t>
+            </a:r>
+            <a:r>
+              <a:rPr lang="en-US" dirty="0" err="1"/>
+              <a:t>LeetCode</a:t>
+            </a:r>
+            <a:endParaRPr lang="en-US" dirty="0"/>
+          </a:p>
+        </p:txBody>
+      </p:sp>
+    </p:spTree>
+    <p:extLst>
+      <p:ext uri="{BB962C8B-B14F-4D97-AF65-F5344CB8AC3E}">
+        <p14:creationId xmlns:p14="http://schemas.microsoft.com/office/powerpoint/2010/main" val="392227806"/>
       </p:ext>
     </p:extLst>
   </p:cSld>
